--- a/6th/rpt.pptx
+++ b/6th/rpt.pptx
@@ -16,6 +16,7 @@
     <p:sldId id="261" r:id="rId11"/>
     <p:sldId id="262" r:id="rId12"/>
     <p:sldId id="263" r:id="rId13"/>
+    <p:sldId id="264" r:id="rId14"/>
   </p:sldIdLst>
   <p:sldSz cy="5143500" cx="9144000"/>
   <p:notesSz cx="6858000" cy="9144000"/>
@@ -1193,7 +1194,7 @@
   <p:cSld>
     <p:spTree>
       <p:nvGrpSpPr>
-        <p:cNvPr id="91" name="Shape 91"/>
+        <p:cNvPr id="92" name="Shape 92"/>
         <p:cNvGrpSpPr/>
         <p:nvPr/>
       </p:nvGrpSpPr>
@@ -1207,7 +1208,7 @@
       </p:grpSpPr>
       <p:sp>
         <p:nvSpPr>
-          <p:cNvPr id="92" name="Google Shape;92;g2a1de17859b_0_9:notes"/>
+          <p:cNvPr id="93" name="Google Shape;93;g2a1de17859b_0_9:notes"/>
           <p:cNvSpPr/>
           <p:nvPr>
             <p:ph idx="2" type="sldImg"/>
@@ -1242,7 +1243,7 @@
       </p:sp>
       <p:sp>
         <p:nvSpPr>
-          <p:cNvPr id="93" name="Google Shape;93;g2a1de17859b_0_9:notes"/>
+          <p:cNvPr id="94" name="Google Shape;94;g2a1de17859b_0_9:notes"/>
           <p:cNvSpPr txBox="1"/>
           <p:nvPr>
             <p:ph idx="1" type="body"/>
@@ -1292,7 +1293,7 @@
   <p:cSld>
     <p:spTree>
       <p:nvGrpSpPr>
-        <p:cNvPr id="104" name="Shape 104"/>
+        <p:cNvPr id="105" name="Shape 105"/>
         <p:cNvGrpSpPr/>
         <p:nvPr/>
       </p:nvGrpSpPr>
@@ -1306,7 +1307,7 @@
       </p:grpSpPr>
       <p:sp>
         <p:nvSpPr>
-          <p:cNvPr id="105" name="Google Shape;105;g2a1de17859b_0_34:notes"/>
+          <p:cNvPr id="106" name="Google Shape;106;g2a1de17859b_0_34:notes"/>
           <p:cNvSpPr/>
           <p:nvPr>
             <p:ph idx="2" type="sldImg"/>
@@ -1341,7 +1342,7 @@
       </p:sp>
       <p:sp>
         <p:nvSpPr>
-          <p:cNvPr id="106" name="Google Shape;106;g2a1de17859b_0_34:notes"/>
+          <p:cNvPr id="107" name="Google Shape;107;g2a1de17859b_0_34:notes"/>
           <p:cNvSpPr txBox="1"/>
           <p:nvPr>
             <p:ph idx="1" type="body"/>
@@ -1391,7 +1392,7 @@
   <p:cSld>
     <p:spTree>
       <p:nvGrpSpPr>
-        <p:cNvPr id="117" name="Shape 117"/>
+        <p:cNvPr id="118" name="Shape 118"/>
         <p:cNvGrpSpPr/>
         <p:nvPr/>
       </p:nvGrpSpPr>
@@ -1405,7 +1406,7 @@
       </p:grpSpPr>
       <p:sp>
         <p:nvSpPr>
-          <p:cNvPr id="118" name="Google Shape;118;g2a1bf267603_2_5:notes"/>
+          <p:cNvPr id="119" name="Google Shape;119;g2a1bf267603_2_5:notes"/>
           <p:cNvSpPr/>
           <p:nvPr>
             <p:ph idx="2" type="sldImg"/>
@@ -1440,7 +1441,106 @@
       </p:sp>
       <p:sp>
         <p:nvSpPr>
-          <p:cNvPr id="119" name="Google Shape;119;g2a1bf267603_2_5:notes"/>
+          <p:cNvPr id="120" name="Google Shape;120;g2a1bf267603_2_5:notes"/>
+          <p:cNvSpPr txBox="1"/>
+          <p:nvPr>
+            <p:ph idx="1" type="body"/>
+          </p:nvPr>
+        </p:nvSpPr>
+        <p:spPr>
+          <a:xfrm>
+            <a:off x="685800" y="4343400"/>
+            <a:ext cx="5486400" cy="4114800"/>
+          </a:xfrm>
+          <a:prstGeom prst="rect">
+            <a:avLst/>
+          </a:prstGeom>
+        </p:spPr>
+        <p:txBody>
+          <a:bodyPr anchorCtr="0" anchor="t" bIns="91425" lIns="91425" spcFirstLastPara="1" rIns="91425" wrap="square" tIns="91425">
+            <a:noAutofit/>
+          </a:bodyPr>
+          <a:lstStyle/>
+          <a:p>
+            <a:pPr indent="0" lvl="0" marL="0" rtl="0" algn="l">
+              <a:spcBef>
+                <a:spcPts val="0"/>
+              </a:spcBef>
+              <a:spcAft>
+                <a:spcPts val="0"/>
+              </a:spcAft>
+              <a:buNone/>
+            </a:pPr>
+            <a:r>
+              <a:t/>
+            </a:r>
+            <a:endParaRPr/>
+          </a:p>
+        </p:txBody>
+      </p:sp>
+    </p:spTree>
+  </p:cSld>
+  <p:clrMapOvr>
+    <a:masterClrMapping/>
+  </p:clrMapOvr>
+</p:notes>
+</file>
+
+<file path=ppt/notesSlides/notesSlide9.xml><?xml version="1.0" encoding="utf-8"?>
+<p:notes xmlns:a="http://schemas.openxmlformats.org/drawingml/2006/main" xmlns:r="http://schemas.openxmlformats.org/officeDocument/2006/relationships" xmlns:mc="http://schemas.openxmlformats.org/markup-compatibility/2006" xmlns:mv="urn:schemas-microsoft-com:mac:vml" xmlns:p="http://schemas.openxmlformats.org/presentationml/2006/main" xmlns:c="http://schemas.openxmlformats.org/drawingml/2006/chart" xmlns:dgm="http://schemas.openxmlformats.org/drawingml/2006/diagram" xmlns:o="urn:schemas-microsoft-com:office:office" xmlns:v="urn:schemas-microsoft-com:vml" xmlns:pvml="urn:schemas-microsoft-com:office:powerpoint" xmlns:com="http://schemas.openxmlformats.org/drawingml/2006/compatibility" xmlns:p14="http://schemas.microsoft.com/office/powerpoint/2010/main" xmlns:p15="http://schemas.microsoft.com/office/powerpoint/2012/main" xmlns:ahyp="http://schemas.microsoft.com/office/drawing/2018/hyperlinkcolor" showMasterPhAnim="0" showMasterSp="0">
+  <p:cSld>
+    <p:spTree>
+      <p:nvGrpSpPr>
+        <p:cNvPr id="130" name="Shape 130"/>
+        <p:cNvGrpSpPr/>
+        <p:nvPr/>
+      </p:nvGrpSpPr>
+      <p:grpSpPr>
+        <a:xfrm>
+          <a:off x="0" y="0"/>
+          <a:ext cx="0" cy="0"/>
+          <a:chOff x="0" y="0"/>
+          <a:chExt cx="0" cy="0"/>
+        </a:xfrm>
+      </p:grpSpPr>
+      <p:sp>
+        <p:nvSpPr>
+          <p:cNvPr id="131" name="Google Shape;131;g2a1ef58c68d_0_0:notes"/>
+          <p:cNvSpPr/>
+          <p:nvPr>
+            <p:ph idx="2" type="sldImg"/>
+          </p:nvPr>
+        </p:nvSpPr>
+        <p:spPr>
+          <a:xfrm>
+            <a:off x="381300" y="685800"/>
+            <a:ext cx="6096000" cy="3429000"/>
+          </a:xfrm>
+          <a:custGeom>
+            <a:rect b="b" l="l" r="r" t="t"/>
+            <a:pathLst>
+              <a:path extrusionOk="0" h="120000" w="120000">
+                <a:moveTo>
+                  <a:pt x="0" y="0"/>
+                </a:moveTo>
+                <a:lnTo>
+                  <a:pt x="120000" y="0"/>
+                </a:lnTo>
+                <a:lnTo>
+                  <a:pt x="120000" y="120000"/>
+                </a:lnTo>
+                <a:lnTo>
+                  <a:pt x="0" y="120000"/>
+                </a:lnTo>
+                <a:close/>
+              </a:path>
+            </a:pathLst>
+          </a:custGeom>
+        </p:spPr>
+      </p:sp>
+      <p:sp>
+        <p:nvSpPr>
+          <p:cNvPr id="132" name="Google Shape;132;g2a1ef58c68d_0_0:notes"/>
           <p:cNvSpPr txBox="1"/>
           <p:nvPr>
             <p:ph idx="1" type="body"/>
@@ -7784,7 +7884,7 @@
                   <a:schemeClr val="dk2"/>
                 </a:solidFill>
               </a:rPr>
-              <a:t>発話(男10人, 女3人)</a:t>
+              <a:t>発話(男4人, 女3人)</a:t>
             </a:r>
             <a:endParaRPr sz="800">
               <a:solidFill>
@@ -8310,6 +8410,104 @@
           </a:ln>
         </p:spPr>
       </p:pic>
+      <p:sp>
+        <p:nvSpPr>
+          <p:cNvPr id="91" name="Google Shape;91;p17"/>
+          <p:cNvSpPr txBox="1"/>
+          <p:nvPr/>
+        </p:nvSpPr>
+        <p:spPr>
+          <a:xfrm>
+            <a:off x="4459150" y="1601650"/>
+            <a:ext cx="4443900" cy="3130500"/>
+          </a:xfrm>
+          <a:prstGeom prst="rect">
+            <a:avLst/>
+          </a:prstGeom>
+          <a:noFill/>
+          <a:ln>
+            <a:noFill/>
+          </a:ln>
+        </p:spPr>
+        <p:txBody>
+          <a:bodyPr anchorCtr="0" anchor="t" bIns="91425" lIns="91425" spcFirstLastPara="1" rIns="91425" wrap="square" tIns="91425">
+            <a:noAutofit/>
+          </a:bodyPr>
+          <a:lstStyle/>
+          <a:p>
+            <a:pPr indent="0" lvl="0" marL="0" rtl="0" algn="l">
+              <a:spcBef>
+                <a:spcPts val="0"/>
+              </a:spcBef>
+              <a:spcAft>
+                <a:spcPts val="0"/>
+              </a:spcAft>
+              <a:buNone/>
+            </a:pPr>
+            <a:r>
+              <a:rPr lang="ja">
+                <a:solidFill>
+                  <a:srgbClr val="FF0000"/>
+                </a:solidFill>
+              </a:rPr>
+              <a:t>籠っている-&gt;多分スペクトルを見ると，高周波の成分が抜けている</a:t>
+            </a:r>
+            <a:endParaRPr>
+              <a:solidFill>
+                <a:srgbClr val="FF0000"/>
+              </a:solidFill>
+            </a:endParaRPr>
+          </a:p>
+          <a:p>
+            <a:pPr indent="0" lvl="0" marL="0" rtl="0" algn="l">
+              <a:spcBef>
+                <a:spcPts val="0"/>
+              </a:spcBef>
+              <a:spcAft>
+                <a:spcPts val="0"/>
+              </a:spcAft>
+              <a:buNone/>
+            </a:pPr>
+            <a:r>
+              <a:rPr lang="ja">
+                <a:solidFill>
+                  <a:srgbClr val="FF0000"/>
+                </a:solidFill>
+              </a:rPr>
+              <a:t>「籠っている」を具体的にスペクトログラム等で説明したい</a:t>
+            </a:r>
+            <a:endParaRPr>
+              <a:solidFill>
+                <a:srgbClr val="FF0000"/>
+              </a:solidFill>
+            </a:endParaRPr>
+          </a:p>
+          <a:p>
+            <a:pPr indent="0" lvl="0" marL="0" rtl="0" algn="l">
+              <a:spcBef>
+                <a:spcPts val="0"/>
+              </a:spcBef>
+              <a:spcAft>
+                <a:spcPts val="0"/>
+              </a:spcAft>
+              <a:buNone/>
+            </a:pPr>
+            <a:r>
+              <a:rPr lang="ja">
+                <a:solidFill>
+                  <a:srgbClr val="FF0000"/>
+                </a:solidFill>
+              </a:rPr>
+              <a:t>高周波の成分が抜けている~=籠っているなら，フィルタ等でそれを再現してみて，結果を報告できるとより説得力がある考察になる</a:t>
+            </a:r>
+            <a:endParaRPr>
+              <a:solidFill>
+                <a:srgbClr val="FF0000"/>
+              </a:solidFill>
+            </a:endParaRPr>
+          </a:p>
+        </p:txBody>
+      </p:sp>
     </p:spTree>
   </p:cSld>
   <p:clrMapOvr>
@@ -8323,7 +8521,7 @@
   <p:cSld>
     <p:spTree>
       <p:nvGrpSpPr>
-        <p:cNvPr id="94" name="Shape 94"/>
+        <p:cNvPr id="95" name="Shape 95"/>
         <p:cNvGrpSpPr/>
         <p:nvPr/>
       </p:nvGrpSpPr>
@@ -8337,7 +8535,7 @@
       </p:grpSpPr>
       <p:sp>
         <p:nvSpPr>
-          <p:cNvPr id="95" name="Google Shape;95;p18"/>
+          <p:cNvPr id="96" name="Google Shape;96;p18"/>
           <p:cNvSpPr txBox="1"/>
           <p:nvPr>
             <p:ph type="title"/>
@@ -8393,7 +8591,7 @@
       </p:sp>
       <p:sp>
         <p:nvSpPr>
-          <p:cNvPr id="96" name="Google Shape;96;p18"/>
+          <p:cNvPr id="97" name="Google Shape;97;p18"/>
           <p:cNvSpPr txBox="1"/>
           <p:nvPr/>
         </p:nvSpPr>
@@ -8467,7 +8665,7 @@
       </p:sp>
       <p:sp>
         <p:nvSpPr>
-          <p:cNvPr id="97" name="Google Shape;97;p18"/>
+          <p:cNvPr id="98" name="Google Shape;98;p18"/>
           <p:cNvSpPr txBox="1"/>
           <p:nvPr/>
         </p:nvSpPr>
@@ -8565,7 +8763,7 @@
       </p:sp>
       <p:pic>
         <p:nvPicPr>
-          <p:cNvPr id="98" name="Google Shape;98;p18"/>
+          <p:cNvPr id="99" name="Google Shape;99;p18"/>
           <p:cNvPicPr preferRelativeResize="0"/>
           <p:nvPr/>
         </p:nvPicPr>
@@ -8593,7 +8791,7 @@
       </p:pic>
       <p:sp>
         <p:nvSpPr>
-          <p:cNvPr id="99" name="Google Shape;99;p18"/>
+          <p:cNvPr id="100" name="Google Shape;100;p18"/>
           <p:cNvSpPr txBox="1"/>
           <p:nvPr/>
         </p:nvSpPr>
@@ -8695,7 +8893,7 @@
       </p:sp>
       <p:sp>
         <p:nvSpPr>
-          <p:cNvPr id="100" name="Google Shape;100;p18"/>
+          <p:cNvPr id="101" name="Google Shape;101;p18"/>
           <p:cNvSpPr txBox="1"/>
           <p:nvPr/>
         </p:nvSpPr>
@@ -8797,7 +8995,7 @@
       </p:sp>
       <p:pic>
         <p:nvPicPr>
-          <p:cNvPr id="101" name="Google Shape;101;p18"/>
+          <p:cNvPr id="102" name="Google Shape;102;p18"/>
           <p:cNvPicPr preferRelativeResize="0"/>
           <p:nvPr/>
         </p:nvPicPr>
@@ -8825,7 +9023,7 @@
       </p:pic>
       <p:pic>
         <p:nvPicPr>
-          <p:cNvPr id="102" name="Google Shape;102;p18" title="0_sp_a.wav">
+          <p:cNvPr id="103" name="Google Shape;103;p18" title="0_sp_a.wav">
             <a:hlinkClick r:id="rId5"/>
           </p:cNvPr>
           <p:cNvPicPr preferRelativeResize="0"/>
@@ -8855,7 +9053,7 @@
       </p:pic>
       <p:pic>
         <p:nvPicPr>
-          <p:cNvPr id="103" name="Google Shape;103;p18" title="0_sp_a.wav">
+          <p:cNvPr id="104" name="Google Shape;104;p18" title="0_sp_a.wav">
             <a:hlinkClick r:id="rId7"/>
           </p:cNvPr>
           <p:cNvPicPr preferRelativeResize="0"/>
@@ -8896,7 +9094,7 @@
   <p:cSld>
     <p:spTree>
       <p:nvGrpSpPr>
-        <p:cNvPr id="107" name="Shape 107"/>
+        <p:cNvPr id="108" name="Shape 108"/>
         <p:cNvGrpSpPr/>
         <p:nvPr/>
       </p:nvGrpSpPr>
@@ -8910,7 +9108,7 @@
       </p:grpSpPr>
       <p:sp>
         <p:nvSpPr>
-          <p:cNvPr id="108" name="Google Shape;108;p19"/>
+          <p:cNvPr id="109" name="Google Shape;109;p19"/>
           <p:cNvSpPr txBox="1"/>
           <p:nvPr>
             <p:ph type="title"/>
@@ -8962,7 +9160,7 @@
       </p:sp>
       <p:sp>
         <p:nvSpPr>
-          <p:cNvPr id="109" name="Google Shape;109;p19"/>
+          <p:cNvPr id="110" name="Google Shape;110;p19"/>
           <p:cNvSpPr txBox="1"/>
           <p:nvPr/>
         </p:nvSpPr>
@@ -9052,7 +9250,7 @@
       </p:sp>
       <p:sp>
         <p:nvSpPr>
-          <p:cNvPr id="110" name="Google Shape;110;p19"/>
+          <p:cNvPr id="111" name="Google Shape;111;p19"/>
           <p:cNvSpPr txBox="1"/>
           <p:nvPr/>
         </p:nvSpPr>
@@ -9142,7 +9340,7 @@
       </p:sp>
       <p:sp>
         <p:nvSpPr>
-          <p:cNvPr id="111" name="Google Shape;111;p19"/>
+          <p:cNvPr id="112" name="Google Shape;112;p19"/>
           <p:cNvSpPr txBox="1"/>
           <p:nvPr/>
         </p:nvSpPr>
@@ -9244,7 +9442,7 @@
       </p:sp>
       <p:sp>
         <p:nvSpPr>
-          <p:cNvPr id="112" name="Google Shape;112;p19"/>
+          <p:cNvPr id="113" name="Google Shape;113;p19"/>
           <p:cNvSpPr txBox="1"/>
           <p:nvPr/>
         </p:nvSpPr>
@@ -9346,7 +9544,7 @@
       </p:sp>
       <p:pic>
         <p:nvPicPr>
-          <p:cNvPr id="113" name="Google Shape;113;p19"/>
+          <p:cNvPr id="114" name="Google Shape;114;p19"/>
           <p:cNvPicPr preferRelativeResize="0"/>
           <p:nvPr/>
         </p:nvPicPr>
@@ -9374,7 +9572,7 @@
       </p:pic>
       <p:pic>
         <p:nvPicPr>
-          <p:cNvPr id="114" name="Google Shape;114;p19"/>
+          <p:cNvPr id="115" name="Google Shape;115;p19"/>
           <p:cNvPicPr preferRelativeResize="0"/>
           <p:nvPr/>
         </p:nvPicPr>
@@ -9402,7 +9600,7 @@
       </p:pic>
       <p:pic>
         <p:nvPicPr>
-          <p:cNvPr id="115" name="Google Shape;115;p19" title="4_sp_m_c.wav">
+          <p:cNvPr id="116" name="Google Shape;116;p19" title="4_sp_m_c.wav">
             <a:hlinkClick r:id="rId5"/>
           </p:cNvPr>
           <p:cNvPicPr preferRelativeResize="0"/>
@@ -9432,7 +9630,7 @@
       </p:pic>
       <p:pic>
         <p:nvPicPr>
-          <p:cNvPr id="116" name="Google Shape;116;p19" title="4_sp_m_c.wav">
+          <p:cNvPr id="117" name="Google Shape;117;p19" title="4_sp_m_c.wav">
             <a:hlinkClick r:id="rId7"/>
           </p:cNvPr>
           <p:cNvPicPr preferRelativeResize="0"/>
@@ -9473,7 +9671,7 @@
   <p:cSld>
     <p:spTree>
       <p:nvGrpSpPr>
-        <p:cNvPr id="120" name="Shape 120"/>
+        <p:cNvPr id="121" name="Shape 121"/>
         <p:cNvGrpSpPr/>
         <p:nvPr/>
       </p:nvGrpSpPr>
@@ -9487,7 +9685,7 @@
       </p:grpSpPr>
       <p:sp>
         <p:nvSpPr>
-          <p:cNvPr id="121" name="Google Shape;121;p20"/>
+          <p:cNvPr id="122" name="Google Shape;122;p20"/>
           <p:cNvSpPr txBox="1"/>
           <p:nvPr>
             <p:ph type="title"/>
@@ -9527,7 +9725,7 @@
       </p:sp>
       <p:sp>
         <p:nvSpPr>
-          <p:cNvPr id="122" name="Google Shape;122;p20"/>
+          <p:cNvPr id="123" name="Google Shape;123;p20"/>
           <p:cNvSpPr txBox="1"/>
           <p:nvPr/>
         </p:nvSpPr>
@@ -9601,7 +9799,7 @@
       </p:sp>
       <p:sp>
         <p:nvSpPr>
-          <p:cNvPr id="123" name="Google Shape;123;p20"/>
+          <p:cNvPr id="124" name="Google Shape;124;p20"/>
           <p:cNvSpPr txBox="1"/>
           <p:nvPr/>
         </p:nvSpPr>
@@ -9675,7 +9873,7 @@
       </p:sp>
       <p:sp>
         <p:nvSpPr>
-          <p:cNvPr id="124" name="Google Shape;124;p20"/>
+          <p:cNvPr id="125" name="Google Shape;125;p20"/>
           <p:cNvSpPr txBox="1"/>
           <p:nvPr/>
         </p:nvSpPr>
@@ -9749,7 +9947,7 @@
       </p:sp>
       <p:sp>
         <p:nvSpPr>
-          <p:cNvPr id="125" name="Google Shape;125;p20"/>
+          <p:cNvPr id="126" name="Google Shape;126;p20"/>
           <p:cNvSpPr txBox="1"/>
           <p:nvPr/>
         </p:nvSpPr>
@@ -9823,7 +10021,7 @@
       </p:sp>
       <p:sp>
         <p:nvSpPr>
-          <p:cNvPr id="126" name="Google Shape;126;p20"/>
+          <p:cNvPr id="127" name="Google Shape;127;p20"/>
           <p:cNvSpPr txBox="1"/>
           <p:nvPr/>
         </p:nvSpPr>
@@ -9989,7 +10187,7 @@
       </p:sp>
       <p:pic>
         <p:nvPicPr>
-          <p:cNvPr id="127" name="Google Shape;127;p20"/>
+          <p:cNvPr id="128" name="Google Shape;128;p20"/>
           <p:cNvPicPr preferRelativeResize="0"/>
           <p:nvPr/>
         </p:nvPicPr>
@@ -10015,6 +10213,211 @@
           </a:ln>
         </p:spPr>
       </p:pic>
+      <p:sp>
+        <p:nvSpPr>
+          <p:cNvPr id="129" name="Google Shape;129;p20"/>
+          <p:cNvSpPr txBox="1"/>
+          <p:nvPr/>
+        </p:nvSpPr>
+        <p:spPr>
+          <a:xfrm>
+            <a:off x="4798900" y="4076950"/>
+            <a:ext cx="4295400" cy="1850400"/>
+          </a:xfrm>
+          <a:prstGeom prst="rect">
+            <a:avLst/>
+          </a:prstGeom>
+          <a:noFill/>
+          <a:ln>
+            <a:noFill/>
+          </a:ln>
+        </p:spPr>
+        <p:txBody>
+          <a:bodyPr anchorCtr="0" anchor="t" bIns="91425" lIns="91425" spcFirstLastPara="1" rIns="91425" wrap="square" tIns="91425">
+            <a:noAutofit/>
+          </a:bodyPr>
+          <a:lstStyle/>
+          <a:p>
+            <a:pPr indent="0" lvl="0" marL="0" rtl="0" algn="l">
+              <a:spcBef>
+                <a:spcPts val="0"/>
+              </a:spcBef>
+              <a:spcAft>
+                <a:spcPts val="0"/>
+              </a:spcAft>
+              <a:buNone/>
+            </a:pPr>
+            <a:r>
+              <a:rPr lang="ja" sz="1800">
+                <a:solidFill>
+                  <a:srgbClr val="FF0000"/>
+                </a:solidFill>
+              </a:rPr>
+              <a:t>同一条件内で，同一話者，異者ごとに分布を出すといい(両分布のオーバーラップがEERに直結しているので)</a:t>
+            </a:r>
+            <a:endParaRPr sz="1800">
+              <a:solidFill>
+                <a:srgbClr val="FF0000"/>
+              </a:solidFill>
+            </a:endParaRPr>
+          </a:p>
+        </p:txBody>
+      </p:sp>
+    </p:spTree>
+  </p:cSld>
+  <p:clrMapOvr>
+    <a:masterClrMapping/>
+  </p:clrMapOvr>
+</p:sld>
+</file>
+
+<file path=ppt/slides/slide9.xml><?xml version="1.0" encoding="utf-8"?>
+<p:sld xmlns:a="http://schemas.openxmlformats.org/drawingml/2006/main" xmlns:r="http://schemas.openxmlformats.org/officeDocument/2006/relationships" xmlns:mc="http://schemas.openxmlformats.org/markup-compatibility/2006" xmlns:mv="urn:schemas-microsoft-com:mac:vml" xmlns:p="http://schemas.openxmlformats.org/presentationml/2006/main" xmlns:c="http://schemas.openxmlformats.org/drawingml/2006/chart" xmlns:dgm="http://schemas.openxmlformats.org/drawingml/2006/diagram" xmlns:o="urn:schemas-microsoft-com:office:office" xmlns:v="urn:schemas-microsoft-com:vml" xmlns:pvml="urn:schemas-microsoft-com:office:powerpoint" xmlns:com="http://schemas.openxmlformats.org/drawingml/2006/compatibility" xmlns:p14="http://schemas.microsoft.com/office/powerpoint/2010/main" xmlns:p15="http://schemas.microsoft.com/office/powerpoint/2012/main" xmlns:ahyp="http://schemas.microsoft.com/office/drawing/2018/hyperlinkcolor">
+  <p:cSld>
+    <p:spTree>
+      <p:nvGrpSpPr>
+        <p:cNvPr id="133" name="Shape 133"/>
+        <p:cNvGrpSpPr/>
+        <p:nvPr/>
+      </p:nvGrpSpPr>
+      <p:grpSpPr>
+        <a:xfrm>
+          <a:off x="0" y="0"/>
+          <a:ext cx="0" cy="0"/>
+          <a:chOff x="0" y="0"/>
+          <a:chExt cx="0" cy="0"/>
+        </a:xfrm>
+      </p:grpSpPr>
+      <p:sp>
+        <p:nvSpPr>
+          <p:cNvPr id="134" name="Google Shape;134;p21"/>
+          <p:cNvSpPr txBox="1"/>
+          <p:nvPr>
+            <p:ph type="title"/>
+          </p:nvPr>
+        </p:nvSpPr>
+        <p:spPr>
+          <a:xfrm>
+            <a:off x="311700" y="445025"/>
+            <a:ext cx="8520600" cy="572700"/>
+          </a:xfrm>
+          <a:prstGeom prst="rect">
+            <a:avLst/>
+          </a:prstGeom>
+        </p:spPr>
+        <p:txBody>
+          <a:bodyPr anchorCtr="0" anchor="t" bIns="91425" lIns="91425" spcFirstLastPara="1" rIns="91425" wrap="square" tIns="91425">
+            <a:normAutofit fontScale="90000"/>
+          </a:bodyPr>
+          <a:lstStyle/>
+          <a:p>
+            <a:pPr indent="0" lvl="0" marL="0" rtl="0" algn="l">
+              <a:spcBef>
+                <a:spcPts val="0"/>
+              </a:spcBef>
+              <a:spcAft>
+                <a:spcPts val="0"/>
+              </a:spcAft>
+              <a:buNone/>
+            </a:pPr>
+            <a:r>
+              <a:t/>
+            </a:r>
+            <a:endParaRPr/>
+          </a:p>
+        </p:txBody>
+      </p:sp>
+      <p:sp>
+        <p:nvSpPr>
+          <p:cNvPr id="135" name="Google Shape;135;p21"/>
+          <p:cNvSpPr txBox="1"/>
+          <p:nvPr>
+            <p:ph idx="1" type="body"/>
+          </p:nvPr>
+        </p:nvSpPr>
+        <p:spPr>
+          <a:xfrm>
+            <a:off x="311700" y="1152475"/>
+            <a:ext cx="8520600" cy="3416400"/>
+          </a:xfrm>
+          <a:prstGeom prst="rect">
+            <a:avLst/>
+          </a:prstGeom>
+        </p:spPr>
+        <p:txBody>
+          <a:bodyPr anchorCtr="0" anchor="t" bIns="91425" lIns="91425" spcFirstLastPara="1" rIns="91425" wrap="square" tIns="91425">
+            <a:normAutofit/>
+          </a:bodyPr>
+          <a:lstStyle/>
+          <a:p>
+            <a:pPr indent="0" lvl="0" marL="0" rtl="0" algn="l">
+              <a:spcBef>
+                <a:spcPts val="0"/>
+              </a:spcBef>
+              <a:spcAft>
+                <a:spcPts val="0"/>
+              </a:spcAft>
+              <a:buNone/>
+            </a:pPr>
+            <a:r>
+              <a:rPr lang="ja"/>
+              <a:t>PC/</a:t>
+            </a:r>
+            <a:r>
+              <a:rPr lang="ja"/>
+              <a:t>スマホ等，収録機器による違いを検証する</a:t>
+            </a:r>
+            <a:endParaRPr/>
+          </a:p>
+          <a:p>
+            <a:pPr indent="0" lvl="0" marL="0" rtl="0" algn="l">
+              <a:spcBef>
+                <a:spcPts val="1200"/>
+              </a:spcBef>
+              <a:spcAft>
+                <a:spcPts val="0"/>
+              </a:spcAft>
+              <a:buNone/>
+            </a:pPr>
+            <a:r>
+              <a:t/>
+            </a:r>
+            <a:endParaRPr/>
+          </a:p>
+          <a:p>
+            <a:pPr indent="0" lvl="0" marL="0" rtl="0" algn="l">
+              <a:spcBef>
+                <a:spcPts val="1200"/>
+              </a:spcBef>
+              <a:spcAft>
+                <a:spcPts val="0"/>
+              </a:spcAft>
+              <a:buNone/>
+            </a:pPr>
+            <a:r>
+              <a:rPr lang="ja"/>
+              <a:t>3人で条件を一致させる</a:t>
+            </a:r>
+            <a:endParaRPr/>
+          </a:p>
+          <a:p>
+            <a:pPr indent="0" lvl="0" marL="0" rtl="0" algn="l">
+              <a:spcBef>
+                <a:spcPts val="1200"/>
+              </a:spcBef>
+              <a:spcAft>
+                <a:spcPts val="1200"/>
+              </a:spcAft>
+              <a:buNone/>
+            </a:pPr>
+            <a:r>
+              <a:rPr lang="ja"/>
+              <a:t>収録機器(pc, sp)による違いを検証する</a:t>
+            </a:r>
+            <a:endParaRPr/>
+          </a:p>
+        </p:txBody>
+      </p:sp>
     </p:spTree>
   </p:cSld>
   <p:clrMapOvr>
@@ -10024,6 +10427,285 @@
 </file>
 
 <file path=ppt/theme/theme1.xml><?xml version="1.0" encoding="utf-8"?>
+<a:theme xmlns:a="http://schemas.openxmlformats.org/drawingml/2006/main" xmlns:r="http://schemas.openxmlformats.org/officeDocument/2006/relationships">
+  <a:themeElements>
+    <a:clrScheme name="Default">
+      <a:dk1>
+        <a:srgbClr val="000000"/>
+      </a:dk1>
+      <a:lt1>
+        <a:srgbClr val="FFFFFF"/>
+      </a:lt1>
+      <a:dk2>
+        <a:srgbClr val="158158"/>
+      </a:dk2>
+      <a:lt2>
+        <a:srgbClr val="F3F3F3"/>
+      </a:lt2>
+      <a:accent1>
+        <a:srgbClr val="058DC7"/>
+      </a:accent1>
+      <a:accent2>
+        <a:srgbClr val="50B432"/>
+      </a:accent2>
+      <a:accent3>
+        <a:srgbClr val="ED561B"/>
+      </a:accent3>
+      <a:accent4>
+        <a:srgbClr val="EDEF00"/>
+      </a:accent4>
+      <a:accent5>
+        <a:srgbClr val="24CBE5"/>
+      </a:accent5>
+      <a:accent6>
+        <a:srgbClr val="64E572"/>
+      </a:accent6>
+      <a:hlink>
+        <a:srgbClr val="2200CC"/>
+      </a:hlink>
+      <a:folHlink>
+        <a:srgbClr val="551A8B"/>
+      </a:folHlink>
+    </a:clrScheme>
+    <a:fontScheme name="Office">
+      <a:majorFont>
+        <a:latin typeface="Arial"/>
+        <a:ea typeface=""/>
+        <a:cs typeface=""/>
+        <a:font script="Jpan" typeface="ＭＳ Ｐゴシック"/>
+        <a:font script="Hang" typeface="맑은 고딕"/>
+        <a:font script="Hans" typeface="宋体"/>
+        <a:font script="Hant" typeface="新細明體"/>
+        <a:font script="Arab" typeface="Times New Roman"/>
+        <a:font script="Hebr" typeface="Times New Roman"/>
+        <a:font script="Thai" typeface="Angsana New"/>
+        <a:font script="Ethi" typeface="Nyala"/>
+        <a:font script="Beng" typeface="Vrinda"/>
+        <a:font script="Gujr" typeface="Shruti"/>
+        <a:font script="Khmr" typeface="MoolBoran"/>
+        <a:font script="Knda" typeface="Tunga"/>
+        <a:font script="Guru" typeface="Raavi"/>
+        <a:font script="Cans" typeface="Euphemia"/>
+        <a:font script="Cher" typeface="Plantagenet Cherokee"/>
+        <a:font script="Yiii" typeface="Microsoft Yi Baiti"/>
+        <a:font script="Tibt" typeface="Microsoft Himalaya"/>
+        <a:font script="Thaa" typeface="MV Boli"/>
+        <a:font script="Deva" typeface="Mangal"/>
+        <a:font script="Telu" typeface="Gautami"/>
+        <a:font script="Taml" typeface="Latha"/>
+        <a:font script="Syrc" typeface="Estrangelo Edessa"/>
+        <a:font script="Orya" typeface="Kalinga"/>
+        <a:font script="Mlym" typeface="Kartika"/>
+        <a:font script="Laoo" typeface="DokChampa"/>
+        <a:font script="Sinh" typeface="Iskoola Pota"/>
+        <a:font script="Mong" typeface="Mongolian Baiti"/>
+        <a:font script="Viet" typeface="Times New Roman"/>
+        <a:font script="Uigh" typeface="Microsoft Uighur"/>
+        <a:font script="Geor" typeface="Sylfaen"/>
+      </a:majorFont>
+      <a:minorFont>
+        <a:latin typeface="Arial"/>
+        <a:ea typeface=""/>
+        <a:cs typeface=""/>
+        <a:font script="Jpan" typeface="ＭＳ Ｐゴシック"/>
+        <a:font script="Hang" typeface="맑은 고딕"/>
+        <a:font script="Hans" typeface="宋体"/>
+        <a:font script="Hant" typeface="新細明體"/>
+        <a:font script="Arab" typeface="Arial"/>
+        <a:font script="Hebr" typeface="Arial"/>
+        <a:font script="Thai" typeface="Cordia New"/>
+        <a:font script="Ethi" typeface="Nyala"/>
+        <a:font script="Beng" typeface="Vrinda"/>
+        <a:font script="Gujr" typeface="Shruti"/>
+        <a:font script="Khmr" typeface="DaunPenh"/>
+        <a:font script="Knda" typeface="Tunga"/>
+        <a:font script="Guru" typeface="Raavi"/>
+        <a:font script="Cans" typeface="Euphemia"/>
+        <a:font script="Cher" typeface="Plantagenet Cherokee"/>
+        <a:font script="Yiii" typeface="Microsoft Yi Baiti"/>
+        <a:font script="Tibt" typeface="Microsoft Himalaya"/>
+        <a:font script="Thaa" typeface="MV Boli"/>
+        <a:font script="Deva" typeface="Mangal"/>
+        <a:font script="Telu" typeface="Gautami"/>
+        <a:font script="Taml" typeface="Latha"/>
+        <a:font script="Syrc" typeface="Estrangelo Edessa"/>
+        <a:font script="Orya" typeface="Kalinga"/>
+        <a:font script="Mlym" typeface="Kartika"/>
+        <a:font script="Laoo" typeface="DokChampa"/>
+        <a:font script="Sinh" typeface="Iskoola Pota"/>
+        <a:font script="Mong" typeface="Mongolian Baiti"/>
+        <a:font script="Viet" typeface="Arial"/>
+        <a:font script="Uigh" typeface="Microsoft Uighur"/>
+        <a:font script="Geor" typeface="Sylfaen"/>
+      </a:minorFont>
+    </a:fontScheme>
+    <a:fmtScheme name="Office">
+      <a:fillStyleLst>
+        <a:solidFill>
+          <a:schemeClr val="phClr"/>
+        </a:solidFill>
+        <a:gradFill rotWithShape="1">
+          <a:gsLst>
+            <a:gs pos="0">
+              <a:schemeClr val="phClr">
+                <a:tint val="50000"/>
+                <a:satMod val="300000"/>
+              </a:schemeClr>
+            </a:gs>
+            <a:gs pos="35000">
+              <a:schemeClr val="phClr">
+                <a:tint val="37000"/>
+                <a:satMod val="300000"/>
+              </a:schemeClr>
+            </a:gs>
+            <a:gs pos="100000">
+              <a:schemeClr val="phClr">
+                <a:tint val="15000"/>
+                <a:satMod val="350000"/>
+              </a:schemeClr>
+            </a:gs>
+          </a:gsLst>
+          <a:lin ang="16200000" scaled="1"/>
+        </a:gradFill>
+        <a:gradFill rotWithShape="1">
+          <a:gsLst>
+            <a:gs pos="0">
+              <a:schemeClr val="phClr">
+                <a:tint val="100000"/>
+                <a:shade val="100000"/>
+                <a:satMod val="130000"/>
+              </a:schemeClr>
+            </a:gs>
+            <a:gs pos="100000">
+              <a:schemeClr val="phClr">
+                <a:tint val="50000"/>
+                <a:shade val="100000"/>
+                <a:satMod val="350000"/>
+              </a:schemeClr>
+            </a:gs>
+          </a:gsLst>
+          <a:lin ang="16200000" scaled="0"/>
+        </a:gradFill>
+      </a:fillStyleLst>
+      <a:lnStyleLst>
+        <a:ln w="9525" cap="flat" cmpd="sng" algn="ctr">
+          <a:solidFill>
+            <a:schemeClr val="phClr">
+              <a:shade val="95000"/>
+              <a:satMod val="105000"/>
+            </a:schemeClr>
+          </a:solidFill>
+          <a:prstDash val="solid"/>
+        </a:ln>
+        <a:ln w="25400" cap="flat" cmpd="sng" algn="ctr">
+          <a:solidFill>
+            <a:schemeClr val="phClr"/>
+          </a:solidFill>
+          <a:prstDash val="solid"/>
+        </a:ln>
+        <a:ln w="38100" cap="flat" cmpd="sng" algn="ctr">
+          <a:solidFill>
+            <a:schemeClr val="phClr"/>
+          </a:solidFill>
+          <a:prstDash val="solid"/>
+        </a:ln>
+      </a:lnStyleLst>
+      <a:effectStyleLst>
+        <a:effectStyle>
+          <a:effectLst>
+            <a:outerShdw blurRad="40000" dist="20000" dir="5400000" rotWithShape="0">
+              <a:srgbClr val="000000">
+                <a:alpha val="38000"/>
+              </a:srgbClr>
+            </a:outerShdw>
+          </a:effectLst>
+        </a:effectStyle>
+        <a:effectStyle>
+          <a:effectLst>
+            <a:outerShdw blurRad="40000" dist="23000" dir="5400000" rotWithShape="0">
+              <a:srgbClr val="000000">
+                <a:alpha val="35000"/>
+              </a:srgbClr>
+            </a:outerShdw>
+          </a:effectLst>
+        </a:effectStyle>
+        <a:effectStyle>
+          <a:effectLst>
+            <a:outerShdw blurRad="40000" dist="23000" dir="5400000" rotWithShape="0">
+              <a:srgbClr val="000000">
+                <a:alpha val="35000"/>
+              </a:srgbClr>
+            </a:outerShdw>
+          </a:effectLst>
+          <a:scene3d>
+            <a:camera prst="orthographicFront">
+              <a:rot lat="0" lon="0" rev="0"/>
+            </a:camera>
+            <a:lightRig rig="threePt" dir="t">
+              <a:rot lat="0" lon="0" rev="1200000"/>
+            </a:lightRig>
+          </a:scene3d>
+          <a:sp3d>
+            <a:bevelT w="63500" h="25400"/>
+          </a:sp3d>
+        </a:effectStyle>
+      </a:effectStyleLst>
+      <a:bgFillStyleLst>
+        <a:solidFill>
+          <a:schemeClr val="phClr"/>
+        </a:solidFill>
+        <a:gradFill rotWithShape="1">
+          <a:gsLst>
+            <a:gs pos="0">
+              <a:schemeClr val="phClr">
+                <a:tint val="40000"/>
+                <a:satMod val="350000"/>
+              </a:schemeClr>
+            </a:gs>
+            <a:gs pos="40000">
+              <a:schemeClr val="phClr">
+                <a:tint val="45000"/>
+                <a:shade val="99000"/>
+                <a:satMod val="350000"/>
+              </a:schemeClr>
+            </a:gs>
+            <a:gs pos="100000">
+              <a:schemeClr val="phClr">
+                <a:shade val="20000"/>
+                <a:satMod val="255000"/>
+              </a:schemeClr>
+            </a:gs>
+          </a:gsLst>
+          <a:path path="circle">
+            <a:fillToRect l="50000" t="-80000" r="50000" b="180000"/>
+          </a:path>
+        </a:gradFill>
+        <a:gradFill rotWithShape="1">
+          <a:gsLst>
+            <a:gs pos="0">
+              <a:schemeClr val="phClr">
+                <a:tint val="80000"/>
+                <a:satMod val="300000"/>
+              </a:schemeClr>
+            </a:gs>
+            <a:gs pos="100000">
+              <a:schemeClr val="phClr">
+                <a:shade val="30000"/>
+                <a:satMod val="200000"/>
+              </a:schemeClr>
+            </a:gs>
+          </a:gsLst>
+          <a:path path="circle">
+            <a:fillToRect l="50000" t="50000" r="50000" b="50000"/>
+          </a:path>
+        </a:gradFill>
+      </a:bgFillStyleLst>
+    </a:fmtScheme>
+  </a:themeElements>
+</a:theme>
+</file>
+
+<file path=ppt/theme/theme2.xml><?xml version="1.0" encoding="utf-8"?>
 <a:theme xmlns:a="http://schemas.openxmlformats.org/drawingml/2006/main" xmlns:r="http://schemas.openxmlformats.org/officeDocument/2006/relationships" name="Simple Light">
   <a:themeElements>
     <a:clrScheme name="Simple Light">
@@ -10300,283 +10982,4 @@
     </a:fmtScheme>
   </a:themeElements>
 </a:theme>
-</file>
-
-<file path=ppt/theme/theme2.xml><?xml version="1.0" encoding="utf-8"?>
-<a:theme xmlns:a="http://schemas.openxmlformats.org/drawingml/2006/main" xmlns:r="http://schemas.openxmlformats.org/officeDocument/2006/relationships">
-  <a:themeElements>
-    <a:clrScheme name="Default">
-      <a:dk1>
-        <a:srgbClr val="000000"/>
-      </a:dk1>
-      <a:lt1>
-        <a:srgbClr val="FFFFFF"/>
-      </a:lt1>
-      <a:dk2>
-        <a:srgbClr val="158158"/>
-      </a:dk2>
-      <a:lt2>
-        <a:srgbClr val="F3F3F3"/>
-      </a:lt2>
-      <a:accent1>
-        <a:srgbClr val="058DC7"/>
-      </a:accent1>
-      <a:accent2>
-        <a:srgbClr val="50B432"/>
-      </a:accent2>
-      <a:accent3>
-        <a:srgbClr val="ED561B"/>
-      </a:accent3>
-      <a:accent4>
-        <a:srgbClr val="EDEF00"/>
-      </a:accent4>
-      <a:accent5>
-        <a:srgbClr val="24CBE5"/>
-      </a:accent5>
-      <a:accent6>
-        <a:srgbClr val="64E572"/>
-      </a:accent6>
-      <a:hlink>
-        <a:srgbClr val="2200CC"/>
-      </a:hlink>
-      <a:folHlink>
-        <a:srgbClr val="551A8B"/>
-      </a:folHlink>
-    </a:clrScheme>
-    <a:fontScheme name="Office">
-      <a:majorFont>
-        <a:latin typeface="Arial"/>
-        <a:ea typeface=""/>
-        <a:cs typeface=""/>
-        <a:font script="Jpan" typeface="ＭＳ Ｐゴシック"/>
-        <a:font script="Hang" typeface="맑은 고딕"/>
-        <a:font script="Hans" typeface="宋体"/>
-        <a:font script="Hant" typeface="新細明體"/>
-        <a:font script="Arab" typeface="Times New Roman"/>
-        <a:font script="Hebr" typeface="Times New Roman"/>
-        <a:font script="Thai" typeface="Angsana New"/>
-        <a:font script="Ethi" typeface="Nyala"/>
-        <a:font script="Beng" typeface="Vrinda"/>
-        <a:font script="Gujr" typeface="Shruti"/>
-        <a:font script="Khmr" typeface="MoolBoran"/>
-        <a:font script="Knda" typeface="Tunga"/>
-        <a:font script="Guru" typeface="Raavi"/>
-        <a:font script="Cans" typeface="Euphemia"/>
-        <a:font script="Cher" typeface="Plantagenet Cherokee"/>
-        <a:font script="Yiii" typeface="Microsoft Yi Baiti"/>
-        <a:font script="Tibt" typeface="Microsoft Himalaya"/>
-        <a:font script="Thaa" typeface="MV Boli"/>
-        <a:font script="Deva" typeface="Mangal"/>
-        <a:font script="Telu" typeface="Gautami"/>
-        <a:font script="Taml" typeface="Latha"/>
-        <a:font script="Syrc" typeface="Estrangelo Edessa"/>
-        <a:font script="Orya" typeface="Kalinga"/>
-        <a:font script="Mlym" typeface="Kartika"/>
-        <a:font script="Laoo" typeface="DokChampa"/>
-        <a:font script="Sinh" typeface="Iskoola Pota"/>
-        <a:font script="Mong" typeface="Mongolian Baiti"/>
-        <a:font script="Viet" typeface="Times New Roman"/>
-        <a:font script="Uigh" typeface="Microsoft Uighur"/>
-        <a:font script="Geor" typeface="Sylfaen"/>
-      </a:majorFont>
-      <a:minorFont>
-        <a:latin typeface="Arial"/>
-        <a:ea typeface=""/>
-        <a:cs typeface=""/>
-        <a:font script="Jpan" typeface="ＭＳ Ｐゴシック"/>
-        <a:font script="Hang" typeface="맑은 고딕"/>
-        <a:font script="Hans" typeface="宋体"/>
-        <a:font script="Hant" typeface="新細明體"/>
-        <a:font script="Arab" typeface="Arial"/>
-        <a:font script="Hebr" typeface="Arial"/>
-        <a:font script="Thai" typeface="Cordia New"/>
-        <a:font script="Ethi" typeface="Nyala"/>
-        <a:font script="Beng" typeface="Vrinda"/>
-        <a:font script="Gujr" typeface="Shruti"/>
-        <a:font script="Khmr" typeface="DaunPenh"/>
-        <a:font script="Knda" typeface="Tunga"/>
-        <a:font script="Guru" typeface="Raavi"/>
-        <a:font script="Cans" typeface="Euphemia"/>
-        <a:font script="Cher" typeface="Plantagenet Cherokee"/>
-        <a:font script="Yiii" typeface="Microsoft Yi Baiti"/>
-        <a:font script="Tibt" typeface="Microsoft Himalaya"/>
-        <a:font script="Thaa" typeface="MV Boli"/>
-        <a:font script="Deva" typeface="Mangal"/>
-        <a:font script="Telu" typeface="Gautami"/>
-        <a:font script="Taml" typeface="Latha"/>
-        <a:font script="Syrc" typeface="Estrangelo Edessa"/>
-        <a:font script="Orya" typeface="Kalinga"/>
-        <a:font script="Mlym" typeface="Kartika"/>
-        <a:font script="Laoo" typeface="DokChampa"/>
-        <a:font script="Sinh" typeface="Iskoola Pota"/>
-        <a:font script="Mong" typeface="Mongolian Baiti"/>
-        <a:font script="Viet" typeface="Arial"/>
-        <a:font script="Uigh" typeface="Microsoft Uighur"/>
-        <a:font script="Geor" typeface="Sylfaen"/>
-      </a:minorFont>
-    </a:fontScheme>
-    <a:fmtScheme name="Office">
-      <a:fillStyleLst>
-        <a:solidFill>
-          <a:schemeClr val="phClr"/>
-        </a:solidFill>
-        <a:gradFill rotWithShape="1">
-          <a:gsLst>
-            <a:gs pos="0">
-              <a:schemeClr val="phClr">
-                <a:tint val="50000"/>
-                <a:satMod val="300000"/>
-              </a:schemeClr>
-            </a:gs>
-            <a:gs pos="35000">
-              <a:schemeClr val="phClr">
-                <a:tint val="37000"/>
-                <a:satMod val="300000"/>
-              </a:schemeClr>
-            </a:gs>
-            <a:gs pos="100000">
-              <a:schemeClr val="phClr">
-                <a:tint val="15000"/>
-                <a:satMod val="350000"/>
-              </a:schemeClr>
-            </a:gs>
-          </a:gsLst>
-          <a:lin ang="16200000" scaled="1"/>
-        </a:gradFill>
-        <a:gradFill rotWithShape="1">
-          <a:gsLst>
-            <a:gs pos="0">
-              <a:schemeClr val="phClr">
-                <a:tint val="100000"/>
-                <a:shade val="100000"/>
-                <a:satMod val="130000"/>
-              </a:schemeClr>
-            </a:gs>
-            <a:gs pos="100000">
-              <a:schemeClr val="phClr">
-                <a:tint val="50000"/>
-                <a:shade val="100000"/>
-                <a:satMod val="350000"/>
-              </a:schemeClr>
-            </a:gs>
-          </a:gsLst>
-          <a:lin ang="16200000" scaled="0"/>
-        </a:gradFill>
-      </a:fillStyleLst>
-      <a:lnStyleLst>
-        <a:ln w="9525" cap="flat" cmpd="sng" algn="ctr">
-          <a:solidFill>
-            <a:schemeClr val="phClr">
-              <a:shade val="95000"/>
-              <a:satMod val="105000"/>
-            </a:schemeClr>
-          </a:solidFill>
-          <a:prstDash val="solid"/>
-        </a:ln>
-        <a:ln w="25400" cap="flat" cmpd="sng" algn="ctr">
-          <a:solidFill>
-            <a:schemeClr val="phClr"/>
-          </a:solidFill>
-          <a:prstDash val="solid"/>
-        </a:ln>
-        <a:ln w="38100" cap="flat" cmpd="sng" algn="ctr">
-          <a:solidFill>
-            <a:schemeClr val="phClr"/>
-          </a:solidFill>
-          <a:prstDash val="solid"/>
-        </a:ln>
-      </a:lnStyleLst>
-      <a:effectStyleLst>
-        <a:effectStyle>
-          <a:effectLst>
-            <a:outerShdw blurRad="40000" dist="20000" dir="5400000" rotWithShape="0">
-              <a:srgbClr val="000000">
-                <a:alpha val="38000"/>
-              </a:srgbClr>
-            </a:outerShdw>
-          </a:effectLst>
-        </a:effectStyle>
-        <a:effectStyle>
-          <a:effectLst>
-            <a:outerShdw blurRad="40000" dist="23000" dir="5400000" rotWithShape="0">
-              <a:srgbClr val="000000">
-                <a:alpha val="35000"/>
-              </a:srgbClr>
-            </a:outerShdw>
-          </a:effectLst>
-        </a:effectStyle>
-        <a:effectStyle>
-          <a:effectLst>
-            <a:outerShdw blurRad="40000" dist="23000" dir="5400000" rotWithShape="0">
-              <a:srgbClr val="000000">
-                <a:alpha val="35000"/>
-              </a:srgbClr>
-            </a:outerShdw>
-          </a:effectLst>
-          <a:scene3d>
-            <a:camera prst="orthographicFront">
-              <a:rot lat="0" lon="0" rev="0"/>
-            </a:camera>
-            <a:lightRig rig="threePt" dir="t">
-              <a:rot lat="0" lon="0" rev="1200000"/>
-            </a:lightRig>
-          </a:scene3d>
-          <a:sp3d>
-            <a:bevelT w="63500" h="25400"/>
-          </a:sp3d>
-        </a:effectStyle>
-      </a:effectStyleLst>
-      <a:bgFillStyleLst>
-        <a:solidFill>
-          <a:schemeClr val="phClr"/>
-        </a:solidFill>
-        <a:gradFill rotWithShape="1">
-          <a:gsLst>
-            <a:gs pos="0">
-              <a:schemeClr val="phClr">
-                <a:tint val="40000"/>
-                <a:satMod val="350000"/>
-              </a:schemeClr>
-            </a:gs>
-            <a:gs pos="40000">
-              <a:schemeClr val="phClr">
-                <a:tint val="45000"/>
-                <a:shade val="99000"/>
-                <a:satMod val="350000"/>
-              </a:schemeClr>
-            </a:gs>
-            <a:gs pos="100000">
-              <a:schemeClr val="phClr">
-                <a:shade val="20000"/>
-                <a:satMod val="255000"/>
-              </a:schemeClr>
-            </a:gs>
-          </a:gsLst>
-          <a:path path="circle">
-            <a:fillToRect l="50000" t="-80000" r="50000" b="180000"/>
-          </a:path>
-        </a:gradFill>
-        <a:gradFill rotWithShape="1">
-          <a:gsLst>
-            <a:gs pos="0">
-              <a:schemeClr val="phClr">
-                <a:tint val="80000"/>
-                <a:satMod val="300000"/>
-              </a:schemeClr>
-            </a:gs>
-            <a:gs pos="100000">
-              <a:schemeClr val="phClr">
-                <a:shade val="30000"/>
-                <a:satMod val="200000"/>
-              </a:schemeClr>
-            </a:gs>
-          </a:gsLst>
-          <a:path path="circle">
-            <a:fillToRect l="50000" t="50000" r="50000" b="50000"/>
-          </a:path>
-        </a:gradFill>
-      </a:bgFillStyleLst>
-    </a:fmtScheme>
-  </a:themeElements>
-</a:theme>
 </file>